--- a/envs/maps/map.pptx
+++ b/envs/maps/map.pptx
@@ -5,10 +5,10 @@
     <p:sldMasterId id="2147483648" r:id="rId1"/>
   </p:sldMasterIdLst>
   <p:notesMasterIdLst>
-    <p:notesMasterId r:id="rId10"/>
+    <p:notesMasterId r:id="rId11"/>
   </p:notesMasterIdLst>
   <p:handoutMasterIdLst>
-    <p:handoutMasterId r:id="rId11"/>
+    <p:handoutMasterId r:id="rId12"/>
   </p:handoutMasterIdLst>
   <p:sldIdLst>
     <p:sldId id="256" r:id="rId3"/>
@@ -18,6 +18,7 @@
     <p:sldId id="267" r:id="rId7"/>
     <p:sldId id="268" r:id="rId8"/>
     <p:sldId id="269" r:id="rId9"/>
+    <p:sldId id="270" r:id="rId10"/>
   </p:sldIdLst>
   <p:sldSz cx="12192000" cy="6858000"/>
   <p:notesSz cx="7103745" cy="10234295"/>
@@ -6184,6 +6185,24 @@
           </a:p>
         </p:txBody>
       </p:sp>
+    </p:spTree>
+  </p:cSld>
+  <p:clrMapOvr>
+    <a:masterClrMapping/>
+  </p:clrMapOvr>
+</p:sld>
+</file>
+
+<file path=ppt/slides/slide8.xml><?xml version="1.0" encoding="utf-8"?>
+<p:sld xmlns:a="http://schemas.openxmlformats.org/drawingml/2006/main" xmlns:r="http://schemas.openxmlformats.org/officeDocument/2006/relationships" xmlns:p="http://schemas.openxmlformats.org/presentationml/2006/main">
+  <p:cSld>
+    <p:spTree>
+      <p:nvGrpSpPr>
+        <p:cNvPr id="1" name=""/>
+        <p:cNvGrpSpPr/>
+        <p:nvPr/>
+      </p:nvGrpSpPr>
+      <p:grpSpPr/>
     </p:spTree>
   </p:cSld>
   <p:clrMapOvr>

--- a/envs/maps/map.pptx
+++ b/envs/maps/map.pptx
@@ -5,10 +5,10 @@
     <p:sldMasterId id="2147483648" r:id="rId1"/>
   </p:sldMasterIdLst>
   <p:notesMasterIdLst>
-    <p:notesMasterId r:id="rId11"/>
+    <p:notesMasterId r:id="rId14"/>
   </p:notesMasterIdLst>
   <p:handoutMasterIdLst>
-    <p:handoutMasterId r:id="rId12"/>
+    <p:handoutMasterId r:id="rId15"/>
   </p:handoutMasterIdLst>
   <p:sldIdLst>
     <p:sldId id="256" r:id="rId3"/>
@@ -17,8 +17,11 @@
     <p:sldId id="266" r:id="rId6"/>
     <p:sldId id="267" r:id="rId7"/>
     <p:sldId id="268" r:id="rId8"/>
-    <p:sldId id="269" r:id="rId9"/>
-    <p:sldId id="270" r:id="rId10"/>
+    <p:sldId id="272" r:id="rId9"/>
+    <p:sldId id="269" r:id="rId10"/>
+    <p:sldId id="271" r:id="rId11"/>
+    <p:sldId id="276" r:id="rId12"/>
+    <p:sldId id="270" r:id="rId13"/>
   </p:sldIdLst>
   <p:sldSz cx="12192000" cy="6858000"/>
   <p:notesSz cx="7103745" cy="10234295"/>
@@ -3859,6 +3862,322 @@
 </p:sld>
 </file>
 
+<file path=ppt/slides/slide10.xml><?xml version="1.0" encoding="utf-8"?>
+<p:sld xmlns:a="http://schemas.openxmlformats.org/drawingml/2006/main" xmlns:r="http://schemas.openxmlformats.org/officeDocument/2006/relationships" xmlns:p="http://schemas.openxmlformats.org/presentationml/2006/main">
+  <p:cSld>
+    <p:spTree>
+      <p:nvGrpSpPr>
+        <p:cNvPr id="1" name=""/>
+        <p:cNvGrpSpPr/>
+        <p:nvPr/>
+      </p:nvGrpSpPr>
+      <p:grpSpPr>
+        <a:xfrm>
+          <a:off x="0" y="0"/>
+          <a:ext cx="0" cy="0"/>
+          <a:chOff x="0" y="0"/>
+          <a:chExt cx="0" cy="0"/>
+        </a:xfrm>
+      </p:grpSpPr>
+      <p:sp>
+        <p:nvSpPr>
+          <p:cNvPr id="3" name="矩形 2"/>
+          <p:cNvSpPr/>
+          <p:nvPr/>
+        </p:nvSpPr>
+        <p:spPr>
+          <a:xfrm>
+            <a:off x="2147570" y="-485140"/>
+            <a:ext cx="1100455" cy="1365885"/>
+          </a:xfrm>
+          <a:prstGeom prst="rect">
+            <a:avLst/>
+          </a:prstGeom>
+        </p:spPr>
+        <p:style>
+          <a:lnRef idx="2">
+            <a:schemeClr val="dk1">
+              <a:shade val="50000"/>
+            </a:schemeClr>
+          </a:lnRef>
+          <a:fillRef idx="1">
+            <a:schemeClr val="dk1"/>
+          </a:fillRef>
+          <a:effectRef idx="0">
+            <a:schemeClr val="dk1"/>
+          </a:effectRef>
+          <a:fontRef idx="minor">
+            <a:schemeClr val="lt1"/>
+          </a:fontRef>
+        </p:style>
+        <p:txBody>
+          <a:bodyPr rtlCol="0" anchor="ctr"/>
+          <a:p>
+            <a:pPr algn="ctr"/>
+            <a:endParaRPr lang="zh-CN" altLang="en-US"/>
+          </a:p>
+        </p:txBody>
+      </p:sp>
+      <p:sp>
+        <p:nvSpPr>
+          <p:cNvPr id="2" name="矩形 1"/>
+          <p:cNvSpPr/>
+          <p:nvPr/>
+        </p:nvSpPr>
+        <p:spPr>
+          <a:xfrm>
+            <a:off x="5415915" y="3018155"/>
+            <a:ext cx="1100455" cy="4227830"/>
+          </a:xfrm>
+          <a:prstGeom prst="rect">
+            <a:avLst/>
+          </a:prstGeom>
+        </p:spPr>
+        <p:style>
+          <a:lnRef idx="2">
+            <a:schemeClr val="dk1">
+              <a:shade val="50000"/>
+            </a:schemeClr>
+          </a:lnRef>
+          <a:fillRef idx="1">
+            <a:schemeClr val="dk1"/>
+          </a:fillRef>
+          <a:effectRef idx="0">
+            <a:schemeClr val="dk1"/>
+          </a:effectRef>
+          <a:fontRef idx="minor">
+            <a:schemeClr val="lt1"/>
+          </a:fontRef>
+        </p:style>
+        <p:txBody>
+          <a:bodyPr rtlCol="0" anchor="ctr"/>
+          <a:p>
+            <a:pPr algn="ctr"/>
+            <a:endParaRPr lang="zh-CN" altLang="en-US"/>
+          </a:p>
+        </p:txBody>
+      </p:sp>
+      <p:sp>
+        <p:nvSpPr>
+          <p:cNvPr id="4" name="矩形 3"/>
+          <p:cNvSpPr/>
+          <p:nvPr/>
+        </p:nvSpPr>
+        <p:spPr>
+          <a:xfrm>
+            <a:off x="8743315" y="-485140"/>
+            <a:ext cx="1100455" cy="4179570"/>
+          </a:xfrm>
+          <a:prstGeom prst="rect">
+            <a:avLst/>
+          </a:prstGeom>
+        </p:spPr>
+        <p:style>
+          <a:lnRef idx="2">
+            <a:schemeClr val="dk1">
+              <a:shade val="50000"/>
+            </a:schemeClr>
+          </a:lnRef>
+          <a:fillRef idx="1">
+            <a:schemeClr val="dk1"/>
+          </a:fillRef>
+          <a:effectRef idx="0">
+            <a:schemeClr val="dk1"/>
+          </a:effectRef>
+          <a:fontRef idx="minor">
+            <a:schemeClr val="lt1"/>
+          </a:fontRef>
+        </p:style>
+        <p:txBody>
+          <a:bodyPr rtlCol="0" anchor="ctr"/>
+          <a:p>
+            <a:pPr algn="ctr"/>
+            <a:endParaRPr lang="zh-CN" altLang="en-US"/>
+          </a:p>
+        </p:txBody>
+      </p:sp>
+      <p:sp>
+        <p:nvSpPr>
+          <p:cNvPr id="5" name="矩形 4"/>
+          <p:cNvSpPr/>
+          <p:nvPr/>
+        </p:nvSpPr>
+        <p:spPr>
+          <a:xfrm>
+            <a:off x="2147570" y="5598795"/>
+            <a:ext cx="1100455" cy="1398905"/>
+          </a:xfrm>
+          <a:prstGeom prst="rect">
+            <a:avLst/>
+          </a:prstGeom>
+        </p:spPr>
+        <p:style>
+          <a:lnRef idx="2">
+            <a:schemeClr val="dk1">
+              <a:shade val="50000"/>
+            </a:schemeClr>
+          </a:lnRef>
+          <a:fillRef idx="1">
+            <a:schemeClr val="dk1"/>
+          </a:fillRef>
+          <a:effectRef idx="0">
+            <a:schemeClr val="dk1"/>
+          </a:effectRef>
+          <a:fontRef idx="minor">
+            <a:schemeClr val="lt1"/>
+          </a:fontRef>
+        </p:style>
+        <p:txBody>
+          <a:bodyPr rtlCol="0" anchor="ctr"/>
+          <a:p>
+            <a:pPr algn="ctr"/>
+            <a:endParaRPr lang="zh-CN" altLang="en-US"/>
+          </a:p>
+        </p:txBody>
+      </p:sp>
+      <p:sp>
+        <p:nvSpPr>
+          <p:cNvPr id="6" name="矩形 5"/>
+          <p:cNvSpPr/>
+          <p:nvPr/>
+        </p:nvSpPr>
+        <p:spPr>
+          <a:xfrm>
+            <a:off x="5415915" y="-294005"/>
+            <a:ext cx="1100455" cy="1398905"/>
+          </a:xfrm>
+          <a:prstGeom prst="rect">
+            <a:avLst/>
+          </a:prstGeom>
+        </p:spPr>
+        <p:style>
+          <a:lnRef idx="2">
+            <a:schemeClr val="dk1">
+              <a:shade val="50000"/>
+            </a:schemeClr>
+          </a:lnRef>
+          <a:fillRef idx="1">
+            <a:schemeClr val="dk1"/>
+          </a:fillRef>
+          <a:effectRef idx="0">
+            <a:schemeClr val="dk1"/>
+          </a:effectRef>
+          <a:fontRef idx="minor">
+            <a:schemeClr val="lt1"/>
+          </a:fontRef>
+        </p:style>
+        <p:txBody>
+          <a:bodyPr rtlCol="0" anchor="ctr"/>
+          <a:p>
+            <a:pPr algn="ctr"/>
+            <a:endParaRPr lang="zh-CN" altLang="en-US"/>
+          </a:p>
+        </p:txBody>
+      </p:sp>
+      <p:sp>
+        <p:nvSpPr>
+          <p:cNvPr id="7" name="矩形 6"/>
+          <p:cNvSpPr/>
+          <p:nvPr/>
+        </p:nvSpPr>
+        <p:spPr>
+          <a:xfrm>
+            <a:off x="8743315" y="5598795"/>
+            <a:ext cx="1100455" cy="1398905"/>
+          </a:xfrm>
+          <a:prstGeom prst="rect">
+            <a:avLst/>
+          </a:prstGeom>
+        </p:spPr>
+        <p:style>
+          <a:lnRef idx="2">
+            <a:schemeClr val="dk1">
+              <a:shade val="50000"/>
+            </a:schemeClr>
+          </a:lnRef>
+          <a:fillRef idx="1">
+            <a:schemeClr val="dk1"/>
+          </a:fillRef>
+          <a:effectRef idx="0">
+            <a:schemeClr val="dk1"/>
+          </a:effectRef>
+          <a:fontRef idx="minor">
+            <a:schemeClr val="lt1"/>
+          </a:fontRef>
+        </p:style>
+        <p:txBody>
+          <a:bodyPr rtlCol="0" anchor="ctr"/>
+          <a:p>
+            <a:pPr algn="ctr"/>
+            <a:endParaRPr lang="zh-CN" altLang="en-US"/>
+          </a:p>
+        </p:txBody>
+      </p:sp>
+      <p:sp>
+        <p:nvSpPr>
+          <p:cNvPr id="8" name="矩形 7"/>
+          <p:cNvSpPr/>
+          <p:nvPr/>
+        </p:nvSpPr>
+        <p:spPr>
+          <a:xfrm>
+            <a:off x="2147570" y="2180590"/>
+            <a:ext cx="1100455" cy="1513840"/>
+          </a:xfrm>
+          <a:prstGeom prst="rect">
+            <a:avLst/>
+          </a:prstGeom>
+        </p:spPr>
+        <p:style>
+          <a:lnRef idx="2">
+            <a:schemeClr val="dk1">
+              <a:shade val="50000"/>
+            </a:schemeClr>
+          </a:lnRef>
+          <a:fillRef idx="1">
+            <a:schemeClr val="dk1"/>
+          </a:fillRef>
+          <a:effectRef idx="0">
+            <a:schemeClr val="dk1"/>
+          </a:effectRef>
+          <a:fontRef idx="minor">
+            <a:schemeClr val="lt1"/>
+          </a:fontRef>
+        </p:style>
+        <p:txBody>
+          <a:bodyPr rtlCol="0" anchor="ctr"/>
+          <a:p>
+            <a:pPr algn="ctr"/>
+            <a:endParaRPr lang="zh-CN" altLang="en-US"/>
+          </a:p>
+        </p:txBody>
+      </p:sp>
+    </p:spTree>
+  </p:cSld>
+  <p:clrMapOvr>
+    <a:masterClrMapping/>
+  </p:clrMapOvr>
+</p:sld>
+</file>
+
+<file path=ppt/slides/slide11.xml><?xml version="1.0" encoding="utf-8"?>
+<p:sld xmlns:a="http://schemas.openxmlformats.org/drawingml/2006/main" xmlns:r="http://schemas.openxmlformats.org/officeDocument/2006/relationships" xmlns:p="http://schemas.openxmlformats.org/presentationml/2006/main">
+  <p:cSld>
+    <p:spTree>
+      <p:nvGrpSpPr>
+        <p:cNvPr id="1" name=""/>
+        <p:cNvGrpSpPr/>
+        <p:nvPr/>
+      </p:nvGrpSpPr>
+      <p:grpSpPr/>
+    </p:spTree>
+  </p:cSld>
+  <p:clrMapOvr>
+    <a:masterClrMapping/>
+  </p:clrMapOvr>
+</p:sld>
+</file>
+
 <file path=ppt/slides/slide2.xml><?xml version="1.0" encoding="utf-8"?>
 <p:sld xmlns:a="http://schemas.openxmlformats.org/drawingml/2006/main" xmlns:r="http://schemas.openxmlformats.org/officeDocument/2006/relationships" xmlns:p="http://schemas.openxmlformats.org/presentationml/2006/main">
   <p:cSld>
@@ -5959,7 +6278,7 @@
         </p:nvSpPr>
         <p:spPr>
           <a:xfrm>
-            <a:off x="2259965" y="-556895"/>
+            <a:off x="3279140" y="-328295"/>
             <a:ext cx="1100455" cy="4179570"/>
           </a:xfrm>
           <a:prstGeom prst="rect">
@@ -5998,7 +6317,7 @@
         </p:nvSpPr>
         <p:spPr>
           <a:xfrm>
-            <a:off x="5415915" y="3018155"/>
+            <a:off x="7416165" y="2732405"/>
             <a:ext cx="1100455" cy="4227830"/>
           </a:xfrm>
           <a:prstGeom prst="rect">
@@ -6031,130 +6350,52 @@
       </p:sp>
       <p:sp>
         <p:nvSpPr>
+          <p:cNvPr id="10" name="矩形 9"/>
+          <p:cNvSpPr/>
+          <p:nvPr/>
+        </p:nvSpPr>
+        <p:spPr>
+          <a:xfrm>
+            <a:off x="6554470" y="4019550"/>
+            <a:ext cx="1100455" cy="1398905"/>
+          </a:xfrm>
+          <a:prstGeom prst="rect">
+            <a:avLst/>
+          </a:prstGeom>
+        </p:spPr>
+        <p:style>
+          <a:lnRef idx="2">
+            <a:schemeClr val="dk1">
+              <a:shade val="50000"/>
+            </a:schemeClr>
+          </a:lnRef>
+          <a:fillRef idx="1">
+            <a:schemeClr val="dk1"/>
+          </a:fillRef>
+          <a:effectRef idx="0">
+            <a:schemeClr val="dk1"/>
+          </a:effectRef>
+          <a:fontRef idx="minor">
+            <a:schemeClr val="lt1"/>
+          </a:fontRef>
+        </p:style>
+        <p:txBody>
+          <a:bodyPr rtlCol="0" anchor="ctr"/>
+          <a:p>
+            <a:pPr algn="ctr"/>
+            <a:endParaRPr lang="zh-CN" altLang="en-US"/>
+          </a:p>
+        </p:txBody>
+      </p:sp>
+      <p:sp>
+        <p:nvSpPr>
           <p:cNvPr id="4" name="矩形 3"/>
           <p:cNvSpPr/>
           <p:nvPr/>
         </p:nvSpPr>
         <p:spPr>
           <a:xfrm>
-            <a:off x="8473440" y="-458470"/>
-            <a:ext cx="1100455" cy="4179570"/>
-          </a:xfrm>
-          <a:prstGeom prst="rect">
-            <a:avLst/>
-          </a:prstGeom>
-        </p:spPr>
-        <p:style>
-          <a:lnRef idx="2">
-            <a:schemeClr val="dk1">
-              <a:shade val="50000"/>
-            </a:schemeClr>
-          </a:lnRef>
-          <a:fillRef idx="1">
-            <a:schemeClr val="dk1"/>
-          </a:fillRef>
-          <a:effectRef idx="0">
-            <a:schemeClr val="dk1"/>
-          </a:effectRef>
-          <a:fontRef idx="minor">
-            <a:schemeClr val="lt1"/>
-          </a:fontRef>
-        </p:style>
-        <p:txBody>
-          <a:bodyPr rtlCol="0" anchor="ctr"/>
-          <a:p>
-            <a:pPr algn="ctr"/>
-            <a:endParaRPr lang="zh-CN" altLang="en-US"/>
-          </a:p>
-        </p:txBody>
-      </p:sp>
-      <p:sp>
-        <p:nvSpPr>
-          <p:cNvPr id="5" name="矩形 4"/>
-          <p:cNvSpPr/>
-          <p:nvPr/>
-        </p:nvSpPr>
-        <p:spPr>
-          <a:xfrm>
-            <a:off x="2259965" y="5598795"/>
-            <a:ext cx="1100455" cy="1398905"/>
-          </a:xfrm>
-          <a:prstGeom prst="rect">
-            <a:avLst/>
-          </a:prstGeom>
-        </p:spPr>
-        <p:style>
-          <a:lnRef idx="2">
-            <a:schemeClr val="dk1">
-              <a:shade val="50000"/>
-            </a:schemeClr>
-          </a:lnRef>
-          <a:fillRef idx="1">
-            <a:schemeClr val="dk1"/>
-          </a:fillRef>
-          <a:effectRef idx="0">
-            <a:schemeClr val="dk1"/>
-          </a:effectRef>
-          <a:fontRef idx="minor">
-            <a:schemeClr val="lt1"/>
-          </a:fontRef>
-        </p:style>
-        <p:txBody>
-          <a:bodyPr rtlCol="0" anchor="ctr"/>
-          <a:p>
-            <a:pPr algn="ctr"/>
-            <a:endParaRPr lang="zh-CN" altLang="en-US"/>
-          </a:p>
-        </p:txBody>
-      </p:sp>
-      <p:sp>
-        <p:nvSpPr>
-          <p:cNvPr id="6" name="矩形 5"/>
-          <p:cNvSpPr/>
-          <p:nvPr/>
-        </p:nvSpPr>
-        <p:spPr>
-          <a:xfrm>
-            <a:off x="5415915" y="-294005"/>
-            <a:ext cx="1100455" cy="1398905"/>
-          </a:xfrm>
-          <a:prstGeom prst="rect">
-            <a:avLst/>
-          </a:prstGeom>
-        </p:spPr>
-        <p:style>
-          <a:lnRef idx="2">
-            <a:schemeClr val="dk1">
-              <a:shade val="50000"/>
-            </a:schemeClr>
-          </a:lnRef>
-          <a:fillRef idx="1">
-            <a:schemeClr val="dk1"/>
-          </a:fillRef>
-          <a:effectRef idx="0">
-            <a:schemeClr val="dk1"/>
-          </a:effectRef>
-          <a:fontRef idx="minor">
-            <a:schemeClr val="lt1"/>
-          </a:fontRef>
-        </p:style>
-        <p:txBody>
-          <a:bodyPr rtlCol="0" anchor="ctr"/>
-          <a:p>
-            <a:pPr algn="ctr"/>
-            <a:endParaRPr lang="zh-CN" altLang="en-US"/>
-          </a:p>
-        </p:txBody>
-      </p:sp>
-      <p:sp>
-        <p:nvSpPr>
-          <p:cNvPr id="7" name="矩形 6"/>
-          <p:cNvSpPr/>
-          <p:nvPr/>
-        </p:nvSpPr>
-        <p:spPr>
-          <a:xfrm>
-            <a:off x="8473440" y="5598795"/>
+            <a:off x="4044950" y="1148715"/>
             <a:ext cx="1100455" cy="1398905"/>
           </a:xfrm>
           <a:prstGeom prst="rect">
@@ -6202,7 +6443,624 @@
         <p:cNvGrpSpPr/>
         <p:nvPr/>
       </p:nvGrpSpPr>
-      <p:grpSpPr/>
+      <p:grpSpPr>
+        <a:xfrm>
+          <a:off x="0" y="0"/>
+          <a:ext cx="0" cy="0"/>
+          <a:chOff x="0" y="0"/>
+          <a:chExt cx="0" cy="0"/>
+        </a:xfrm>
+      </p:grpSpPr>
+      <p:sp>
+        <p:nvSpPr>
+          <p:cNvPr id="3" name="矩形 2"/>
+          <p:cNvSpPr/>
+          <p:nvPr/>
+        </p:nvSpPr>
+        <p:spPr>
+          <a:xfrm>
+            <a:off x="2147570" y="-485140"/>
+            <a:ext cx="1100455" cy="4179570"/>
+          </a:xfrm>
+          <a:prstGeom prst="rect">
+            <a:avLst/>
+          </a:prstGeom>
+        </p:spPr>
+        <p:style>
+          <a:lnRef idx="2">
+            <a:schemeClr val="dk1">
+              <a:shade val="50000"/>
+            </a:schemeClr>
+          </a:lnRef>
+          <a:fillRef idx="1">
+            <a:schemeClr val="dk1"/>
+          </a:fillRef>
+          <a:effectRef idx="0">
+            <a:schemeClr val="dk1"/>
+          </a:effectRef>
+          <a:fontRef idx="minor">
+            <a:schemeClr val="lt1"/>
+          </a:fontRef>
+        </p:style>
+        <p:txBody>
+          <a:bodyPr rtlCol="0" anchor="ctr"/>
+          <a:p>
+            <a:pPr algn="ctr"/>
+            <a:endParaRPr lang="zh-CN" altLang="en-US"/>
+          </a:p>
+        </p:txBody>
+      </p:sp>
+      <p:sp>
+        <p:nvSpPr>
+          <p:cNvPr id="2" name="矩形 1"/>
+          <p:cNvSpPr/>
+          <p:nvPr/>
+        </p:nvSpPr>
+        <p:spPr>
+          <a:xfrm>
+            <a:off x="5415915" y="3018155"/>
+            <a:ext cx="1100455" cy="4227830"/>
+          </a:xfrm>
+          <a:prstGeom prst="rect">
+            <a:avLst/>
+          </a:prstGeom>
+        </p:spPr>
+        <p:style>
+          <a:lnRef idx="2">
+            <a:schemeClr val="dk1">
+              <a:shade val="50000"/>
+            </a:schemeClr>
+          </a:lnRef>
+          <a:fillRef idx="1">
+            <a:schemeClr val="dk1"/>
+          </a:fillRef>
+          <a:effectRef idx="0">
+            <a:schemeClr val="dk1"/>
+          </a:effectRef>
+          <a:fontRef idx="minor">
+            <a:schemeClr val="lt1"/>
+          </a:fontRef>
+        </p:style>
+        <p:txBody>
+          <a:bodyPr rtlCol="0" anchor="ctr"/>
+          <a:p>
+            <a:pPr algn="ctr"/>
+            <a:endParaRPr lang="zh-CN" altLang="en-US"/>
+          </a:p>
+        </p:txBody>
+      </p:sp>
+      <p:sp>
+        <p:nvSpPr>
+          <p:cNvPr id="4" name="矩形 3"/>
+          <p:cNvSpPr/>
+          <p:nvPr/>
+        </p:nvSpPr>
+        <p:spPr>
+          <a:xfrm>
+            <a:off x="8743315" y="-485140"/>
+            <a:ext cx="1100455" cy="4179570"/>
+          </a:xfrm>
+          <a:prstGeom prst="rect">
+            <a:avLst/>
+          </a:prstGeom>
+        </p:spPr>
+        <p:style>
+          <a:lnRef idx="2">
+            <a:schemeClr val="dk1">
+              <a:shade val="50000"/>
+            </a:schemeClr>
+          </a:lnRef>
+          <a:fillRef idx="1">
+            <a:schemeClr val="dk1"/>
+          </a:fillRef>
+          <a:effectRef idx="0">
+            <a:schemeClr val="dk1"/>
+          </a:effectRef>
+          <a:fontRef idx="minor">
+            <a:schemeClr val="lt1"/>
+          </a:fontRef>
+        </p:style>
+        <p:txBody>
+          <a:bodyPr rtlCol="0" anchor="ctr"/>
+          <a:p>
+            <a:pPr algn="ctr"/>
+            <a:endParaRPr lang="zh-CN" altLang="en-US"/>
+          </a:p>
+        </p:txBody>
+      </p:sp>
+      <p:sp>
+        <p:nvSpPr>
+          <p:cNvPr id="5" name="矩形 4"/>
+          <p:cNvSpPr/>
+          <p:nvPr/>
+        </p:nvSpPr>
+        <p:spPr>
+          <a:xfrm>
+            <a:off x="2147570" y="5598795"/>
+            <a:ext cx="1100455" cy="1398905"/>
+          </a:xfrm>
+          <a:prstGeom prst="rect">
+            <a:avLst/>
+          </a:prstGeom>
+        </p:spPr>
+        <p:style>
+          <a:lnRef idx="2">
+            <a:schemeClr val="dk1">
+              <a:shade val="50000"/>
+            </a:schemeClr>
+          </a:lnRef>
+          <a:fillRef idx="1">
+            <a:schemeClr val="dk1"/>
+          </a:fillRef>
+          <a:effectRef idx="0">
+            <a:schemeClr val="dk1"/>
+          </a:effectRef>
+          <a:fontRef idx="minor">
+            <a:schemeClr val="lt1"/>
+          </a:fontRef>
+        </p:style>
+        <p:txBody>
+          <a:bodyPr rtlCol="0" anchor="ctr"/>
+          <a:p>
+            <a:pPr algn="ctr"/>
+            <a:endParaRPr lang="zh-CN" altLang="en-US"/>
+          </a:p>
+        </p:txBody>
+      </p:sp>
+      <p:sp>
+        <p:nvSpPr>
+          <p:cNvPr id="6" name="矩形 5"/>
+          <p:cNvSpPr/>
+          <p:nvPr/>
+        </p:nvSpPr>
+        <p:spPr>
+          <a:xfrm>
+            <a:off x="5415915" y="-294005"/>
+            <a:ext cx="1100455" cy="1398905"/>
+          </a:xfrm>
+          <a:prstGeom prst="rect">
+            <a:avLst/>
+          </a:prstGeom>
+        </p:spPr>
+        <p:style>
+          <a:lnRef idx="2">
+            <a:schemeClr val="dk1">
+              <a:shade val="50000"/>
+            </a:schemeClr>
+          </a:lnRef>
+          <a:fillRef idx="1">
+            <a:schemeClr val="dk1"/>
+          </a:fillRef>
+          <a:effectRef idx="0">
+            <a:schemeClr val="dk1"/>
+          </a:effectRef>
+          <a:fontRef idx="minor">
+            <a:schemeClr val="lt1"/>
+          </a:fontRef>
+        </p:style>
+        <p:txBody>
+          <a:bodyPr rtlCol="0" anchor="ctr"/>
+          <a:p>
+            <a:pPr algn="ctr"/>
+            <a:endParaRPr lang="zh-CN" altLang="en-US"/>
+          </a:p>
+        </p:txBody>
+      </p:sp>
+      <p:sp>
+        <p:nvSpPr>
+          <p:cNvPr id="7" name="矩形 6"/>
+          <p:cNvSpPr/>
+          <p:nvPr/>
+        </p:nvSpPr>
+        <p:spPr>
+          <a:xfrm>
+            <a:off x="8743315" y="5598795"/>
+            <a:ext cx="1100455" cy="1398905"/>
+          </a:xfrm>
+          <a:prstGeom prst="rect">
+            <a:avLst/>
+          </a:prstGeom>
+        </p:spPr>
+        <p:style>
+          <a:lnRef idx="2">
+            <a:schemeClr val="dk1">
+              <a:shade val="50000"/>
+            </a:schemeClr>
+          </a:lnRef>
+          <a:fillRef idx="1">
+            <a:schemeClr val="dk1"/>
+          </a:fillRef>
+          <a:effectRef idx="0">
+            <a:schemeClr val="dk1"/>
+          </a:effectRef>
+          <a:fontRef idx="minor">
+            <a:schemeClr val="lt1"/>
+          </a:fontRef>
+        </p:style>
+        <p:txBody>
+          <a:bodyPr rtlCol="0" anchor="ctr"/>
+          <a:p>
+            <a:pPr algn="ctr"/>
+            <a:endParaRPr lang="zh-CN" altLang="en-US"/>
+          </a:p>
+        </p:txBody>
+      </p:sp>
+    </p:spTree>
+  </p:cSld>
+  <p:clrMapOvr>
+    <a:masterClrMapping/>
+  </p:clrMapOvr>
+</p:sld>
+</file>
+
+<file path=ppt/slides/slide9.xml><?xml version="1.0" encoding="utf-8"?>
+<p:sld xmlns:a="http://schemas.openxmlformats.org/drawingml/2006/main" xmlns:r="http://schemas.openxmlformats.org/officeDocument/2006/relationships" xmlns:p="http://schemas.openxmlformats.org/presentationml/2006/main">
+  <p:cSld>
+    <p:spTree>
+      <p:nvGrpSpPr>
+        <p:cNvPr id="1" name=""/>
+        <p:cNvGrpSpPr/>
+        <p:nvPr/>
+      </p:nvGrpSpPr>
+      <p:grpSpPr>
+        <a:xfrm>
+          <a:off x="0" y="0"/>
+          <a:ext cx="0" cy="0"/>
+          <a:chOff x="0" y="0"/>
+          <a:chExt cx="0" cy="0"/>
+        </a:xfrm>
+      </p:grpSpPr>
+      <p:sp>
+        <p:nvSpPr>
+          <p:cNvPr id="3" name="矩形 2"/>
+          <p:cNvSpPr/>
+          <p:nvPr/>
+        </p:nvSpPr>
+        <p:spPr>
+          <a:xfrm>
+            <a:off x="2147570" y="-485140"/>
+            <a:ext cx="1100455" cy="4179570"/>
+          </a:xfrm>
+          <a:prstGeom prst="rect">
+            <a:avLst/>
+          </a:prstGeom>
+        </p:spPr>
+        <p:style>
+          <a:lnRef idx="2">
+            <a:schemeClr val="dk1">
+              <a:shade val="50000"/>
+            </a:schemeClr>
+          </a:lnRef>
+          <a:fillRef idx="1">
+            <a:schemeClr val="dk1"/>
+          </a:fillRef>
+          <a:effectRef idx="0">
+            <a:schemeClr val="dk1"/>
+          </a:effectRef>
+          <a:fontRef idx="minor">
+            <a:schemeClr val="lt1"/>
+          </a:fontRef>
+        </p:style>
+        <p:txBody>
+          <a:bodyPr rtlCol="0" anchor="ctr"/>
+          <a:p>
+            <a:pPr algn="ctr"/>
+            <a:endParaRPr lang="zh-CN" altLang="en-US"/>
+          </a:p>
+        </p:txBody>
+      </p:sp>
+      <p:sp>
+        <p:nvSpPr>
+          <p:cNvPr id="2" name="矩形 1"/>
+          <p:cNvSpPr/>
+          <p:nvPr/>
+        </p:nvSpPr>
+        <p:spPr>
+          <a:xfrm>
+            <a:off x="5415915" y="3018155"/>
+            <a:ext cx="1100455" cy="4227830"/>
+          </a:xfrm>
+          <a:prstGeom prst="rect">
+            <a:avLst/>
+          </a:prstGeom>
+        </p:spPr>
+        <p:style>
+          <a:lnRef idx="2">
+            <a:schemeClr val="dk1">
+              <a:shade val="50000"/>
+            </a:schemeClr>
+          </a:lnRef>
+          <a:fillRef idx="1">
+            <a:schemeClr val="dk1"/>
+          </a:fillRef>
+          <a:effectRef idx="0">
+            <a:schemeClr val="dk1"/>
+          </a:effectRef>
+          <a:fontRef idx="minor">
+            <a:schemeClr val="lt1"/>
+          </a:fontRef>
+        </p:style>
+        <p:txBody>
+          <a:bodyPr rtlCol="0" anchor="ctr"/>
+          <a:p>
+            <a:pPr algn="ctr"/>
+            <a:endParaRPr lang="zh-CN" altLang="en-US"/>
+          </a:p>
+        </p:txBody>
+      </p:sp>
+      <p:sp>
+        <p:nvSpPr>
+          <p:cNvPr id="4" name="矩形 3"/>
+          <p:cNvSpPr/>
+          <p:nvPr/>
+        </p:nvSpPr>
+        <p:spPr>
+          <a:xfrm>
+            <a:off x="8743315" y="-485140"/>
+            <a:ext cx="1100455" cy="4179570"/>
+          </a:xfrm>
+          <a:prstGeom prst="rect">
+            <a:avLst/>
+          </a:prstGeom>
+        </p:spPr>
+        <p:style>
+          <a:lnRef idx="2">
+            <a:schemeClr val="dk1">
+              <a:shade val="50000"/>
+            </a:schemeClr>
+          </a:lnRef>
+          <a:fillRef idx="1">
+            <a:schemeClr val="dk1"/>
+          </a:fillRef>
+          <a:effectRef idx="0">
+            <a:schemeClr val="dk1"/>
+          </a:effectRef>
+          <a:fontRef idx="minor">
+            <a:schemeClr val="lt1"/>
+          </a:fontRef>
+        </p:style>
+        <p:txBody>
+          <a:bodyPr rtlCol="0" anchor="ctr"/>
+          <a:p>
+            <a:pPr algn="ctr"/>
+            <a:endParaRPr lang="zh-CN" altLang="en-US"/>
+          </a:p>
+        </p:txBody>
+      </p:sp>
+      <p:sp>
+        <p:nvSpPr>
+          <p:cNvPr id="5" name="矩形 4"/>
+          <p:cNvSpPr/>
+          <p:nvPr/>
+        </p:nvSpPr>
+        <p:spPr>
+          <a:xfrm>
+            <a:off x="2147570" y="5598795"/>
+            <a:ext cx="1100455" cy="1398905"/>
+          </a:xfrm>
+          <a:prstGeom prst="rect">
+            <a:avLst/>
+          </a:prstGeom>
+        </p:spPr>
+        <p:style>
+          <a:lnRef idx="2">
+            <a:schemeClr val="dk1">
+              <a:shade val="50000"/>
+            </a:schemeClr>
+          </a:lnRef>
+          <a:fillRef idx="1">
+            <a:schemeClr val="dk1"/>
+          </a:fillRef>
+          <a:effectRef idx="0">
+            <a:schemeClr val="dk1"/>
+          </a:effectRef>
+          <a:fontRef idx="minor">
+            <a:schemeClr val="lt1"/>
+          </a:fontRef>
+        </p:style>
+        <p:txBody>
+          <a:bodyPr rtlCol="0" anchor="ctr"/>
+          <a:p>
+            <a:pPr algn="ctr"/>
+            <a:endParaRPr lang="zh-CN" altLang="en-US"/>
+          </a:p>
+        </p:txBody>
+      </p:sp>
+      <p:sp>
+        <p:nvSpPr>
+          <p:cNvPr id="6" name="矩形 5"/>
+          <p:cNvSpPr/>
+          <p:nvPr/>
+        </p:nvSpPr>
+        <p:spPr>
+          <a:xfrm>
+            <a:off x="5415915" y="-294005"/>
+            <a:ext cx="1100455" cy="1398905"/>
+          </a:xfrm>
+          <a:prstGeom prst="rect">
+            <a:avLst/>
+          </a:prstGeom>
+        </p:spPr>
+        <p:style>
+          <a:lnRef idx="2">
+            <a:schemeClr val="dk1">
+              <a:shade val="50000"/>
+            </a:schemeClr>
+          </a:lnRef>
+          <a:fillRef idx="1">
+            <a:schemeClr val="dk1"/>
+          </a:fillRef>
+          <a:effectRef idx="0">
+            <a:schemeClr val="dk1"/>
+          </a:effectRef>
+          <a:fontRef idx="minor">
+            <a:schemeClr val="lt1"/>
+          </a:fontRef>
+        </p:style>
+        <p:txBody>
+          <a:bodyPr rtlCol="0" anchor="ctr"/>
+          <a:p>
+            <a:pPr algn="ctr"/>
+            <a:endParaRPr lang="zh-CN" altLang="en-US"/>
+          </a:p>
+        </p:txBody>
+      </p:sp>
+      <p:sp>
+        <p:nvSpPr>
+          <p:cNvPr id="7" name="矩形 6"/>
+          <p:cNvSpPr/>
+          <p:nvPr/>
+        </p:nvSpPr>
+        <p:spPr>
+          <a:xfrm>
+            <a:off x="8743315" y="5598795"/>
+            <a:ext cx="1100455" cy="1398905"/>
+          </a:xfrm>
+          <a:prstGeom prst="rect">
+            <a:avLst/>
+          </a:prstGeom>
+        </p:spPr>
+        <p:style>
+          <a:lnRef idx="2">
+            <a:schemeClr val="dk1">
+              <a:shade val="50000"/>
+            </a:schemeClr>
+          </a:lnRef>
+          <a:fillRef idx="1">
+            <a:schemeClr val="dk1"/>
+          </a:fillRef>
+          <a:effectRef idx="0">
+            <a:schemeClr val="dk1"/>
+          </a:effectRef>
+          <a:fontRef idx="minor">
+            <a:schemeClr val="lt1"/>
+          </a:fontRef>
+        </p:style>
+        <p:txBody>
+          <a:bodyPr rtlCol="0" anchor="ctr"/>
+          <a:p>
+            <a:pPr algn="ctr"/>
+            <a:endParaRPr lang="zh-CN" altLang="en-US"/>
+          </a:p>
+        </p:txBody>
+      </p:sp>
+      <p:sp>
+        <p:nvSpPr>
+          <p:cNvPr id="9" name="矩形 8"/>
+          <p:cNvSpPr/>
+          <p:nvPr/>
+        </p:nvSpPr>
+        <p:spPr>
+          <a:xfrm>
+            <a:off x="3020695" y="4743450"/>
+            <a:ext cx="1100455" cy="1398905"/>
+          </a:xfrm>
+          <a:prstGeom prst="rect">
+            <a:avLst/>
+          </a:prstGeom>
+        </p:spPr>
+        <p:style>
+          <a:lnRef idx="2">
+            <a:schemeClr val="dk1">
+              <a:shade val="50000"/>
+            </a:schemeClr>
+          </a:lnRef>
+          <a:fillRef idx="1">
+            <a:schemeClr val="dk1"/>
+          </a:fillRef>
+          <a:effectRef idx="0">
+            <a:schemeClr val="dk1"/>
+          </a:effectRef>
+          <a:fontRef idx="minor">
+            <a:schemeClr val="lt1"/>
+          </a:fontRef>
+        </p:style>
+        <p:txBody>
+          <a:bodyPr rtlCol="0" anchor="ctr"/>
+          <a:p>
+            <a:pPr algn="ctr"/>
+            <a:endParaRPr lang="zh-CN" altLang="en-US"/>
+          </a:p>
+        </p:txBody>
+      </p:sp>
+      <p:sp>
+        <p:nvSpPr>
+          <p:cNvPr id="10" name="矩形 9"/>
+          <p:cNvSpPr/>
+          <p:nvPr/>
+        </p:nvSpPr>
+        <p:spPr>
+          <a:xfrm>
+            <a:off x="7891145" y="1320165"/>
+            <a:ext cx="1100455" cy="1398905"/>
+          </a:xfrm>
+          <a:prstGeom prst="rect">
+            <a:avLst/>
+          </a:prstGeom>
+        </p:spPr>
+        <p:style>
+          <a:lnRef idx="2">
+            <a:schemeClr val="dk1">
+              <a:shade val="50000"/>
+            </a:schemeClr>
+          </a:lnRef>
+          <a:fillRef idx="1">
+            <a:schemeClr val="dk1"/>
+          </a:fillRef>
+          <a:effectRef idx="0">
+            <a:schemeClr val="dk1"/>
+          </a:effectRef>
+          <a:fontRef idx="minor">
+            <a:schemeClr val="lt1"/>
+          </a:fontRef>
+        </p:style>
+        <p:txBody>
+          <a:bodyPr rtlCol="0" anchor="ctr"/>
+          <a:p>
+            <a:pPr algn="ctr"/>
+            <a:endParaRPr lang="zh-CN" altLang="en-US"/>
+          </a:p>
+        </p:txBody>
+      </p:sp>
+      <p:sp>
+        <p:nvSpPr>
+          <p:cNvPr id="11" name="矩形 10"/>
+          <p:cNvSpPr/>
+          <p:nvPr/>
+        </p:nvSpPr>
+        <p:spPr>
+          <a:xfrm>
+            <a:off x="6424930" y="4697730"/>
+            <a:ext cx="1100455" cy="1398905"/>
+          </a:xfrm>
+          <a:prstGeom prst="rect">
+            <a:avLst/>
+          </a:prstGeom>
+        </p:spPr>
+        <p:style>
+          <a:lnRef idx="2">
+            <a:schemeClr val="dk1">
+              <a:shade val="50000"/>
+            </a:schemeClr>
+          </a:lnRef>
+          <a:fillRef idx="1">
+            <a:schemeClr val="dk1"/>
+          </a:fillRef>
+          <a:effectRef idx="0">
+            <a:schemeClr val="dk1"/>
+          </a:effectRef>
+          <a:fontRef idx="minor">
+            <a:schemeClr val="lt1"/>
+          </a:fontRef>
+        </p:style>
+        <p:txBody>
+          <a:bodyPr rtlCol="0" anchor="ctr"/>
+          <a:p>
+            <a:pPr algn="ctr"/>
+            <a:endParaRPr lang="zh-CN" altLang="en-US"/>
+          </a:p>
+        </p:txBody>
+      </p:sp>
     </p:spTree>
   </p:cSld>
   <p:clrMapOvr>
